--- a/courses/ese605-spring2021/lecture-slides/logistics.pptx
+++ b/courses/ese605-spring2021/lecture-slides/logistics.pptx
@@ -218,7 +218,7 @@
           <a:p>
             <a:fld id="{344B7452-CBCE-544C-82C0-61A81034B8D9}" type="datetimeFigureOut">
               <a:rPr lang="en-US" smtClean="0"/>
-              <a:t>1/13/20</a:t>
+              <a:t>1/4/21</a:t>
             </a:fld>
             <a:endParaRPr lang="en-US"/>
           </a:p>
@@ -384,7 +384,7 @@
           <a:p>
             <a:fld id="{AE2B2B26-92A0-7541-B16F-52F5B57C465F}" type="datetimeFigureOut">
               <a:rPr lang="en-US" smtClean="0"/>
-              <a:t>1/13/20</a:t>
+              <a:t>1/4/21</a:t>
             </a:fld>
             <a:endParaRPr lang="en-US"/>
           </a:p>
@@ -736,6 +736,90 @@
 </p:notes>
 </file>
 
+<file path=ppt/notesSlides/notesSlide2.xml><?xml version="1.0" encoding="utf-8"?>
+<p:notes xmlns:a="http://schemas.openxmlformats.org/drawingml/2006/main" xmlns:r="http://schemas.openxmlformats.org/officeDocument/2006/relationships" xmlns:p="http://schemas.openxmlformats.org/presentationml/2006/main">
+  <p:cSld>
+    <p:spTree>
+      <p:nvGrpSpPr>
+        <p:cNvPr id="1" name=""/>
+        <p:cNvGrpSpPr/>
+        <p:nvPr/>
+      </p:nvGrpSpPr>
+      <p:grpSpPr>
+        <a:xfrm>
+          <a:off x="0" y="0"/>
+          <a:ext cx="0" cy="0"/>
+          <a:chOff x="0" y="0"/>
+          <a:chExt cx="0" cy="0"/>
+        </a:xfrm>
+      </p:grpSpPr>
+      <p:sp>
+        <p:nvSpPr>
+          <p:cNvPr id="2" name="Slide Image Placeholder 1"/>
+          <p:cNvSpPr>
+            <a:spLocks noGrp="1" noRot="1" noChangeAspect="1"/>
+          </p:cNvSpPr>
+          <p:nvPr>
+            <p:ph type="sldImg"/>
+          </p:nvPr>
+        </p:nvSpPr>
+        <p:spPr/>
+      </p:sp>
+      <p:sp>
+        <p:nvSpPr>
+          <p:cNvPr id="3" name="Notes Placeholder 2"/>
+          <p:cNvSpPr>
+            <a:spLocks noGrp="1"/>
+          </p:cNvSpPr>
+          <p:nvPr>
+            <p:ph type="body" idx="1"/>
+          </p:nvPr>
+        </p:nvSpPr>
+        <p:spPr/>
+        <p:txBody>
+          <a:bodyPr/>
+          <a:lstStyle/>
+          <a:p>
+            <a:endParaRPr lang="en-US" dirty="0"/>
+          </a:p>
+        </p:txBody>
+      </p:sp>
+      <p:sp>
+        <p:nvSpPr>
+          <p:cNvPr id="4" name="Slide Number Placeholder 3"/>
+          <p:cNvSpPr>
+            <a:spLocks noGrp="1"/>
+          </p:cNvSpPr>
+          <p:nvPr>
+            <p:ph type="sldNum" sz="quarter" idx="5"/>
+          </p:nvPr>
+        </p:nvSpPr>
+        <p:spPr/>
+        <p:txBody>
+          <a:bodyPr/>
+          <a:lstStyle/>
+          <a:p>
+            <a:fld id="{B85D8441-E7A9-284C-8636-5AB99FE5A713}" type="slidenum">
+              <a:rPr lang="en-US" smtClean="0"/>
+              <a:t>7</a:t>
+            </a:fld>
+            <a:endParaRPr lang="en-US"/>
+          </a:p>
+        </p:txBody>
+      </p:sp>
+    </p:spTree>
+    <p:extLst>
+      <p:ext uri="{BB962C8B-B14F-4D97-AF65-F5344CB8AC3E}">
+        <p14:creationId xmlns:p14="http://schemas.microsoft.com/office/powerpoint/2010/main" val="2630583060"/>
+      </p:ext>
+    </p:extLst>
+  </p:cSld>
+  <p:clrMapOvr>
+    <a:masterClrMapping/>
+  </p:clrMapOvr>
+</p:notes>
+</file>
+
 <file path=ppt/slideLayouts/slideLayout1.xml><?xml version="1.0" encoding="utf-8"?>
 <p:sldLayout xmlns:a="http://schemas.openxmlformats.org/drawingml/2006/main" xmlns:r="http://schemas.openxmlformats.org/officeDocument/2006/relationships" xmlns:p="http://schemas.openxmlformats.org/presentationml/2006/main" type="title" preserve="1">
   <p:cSld name="Title Slide">
@@ -915,7 +999,7 @@
           <a:p>
             <a:fld id="{7A455EB6-B941-5146-9952-DE44460C1C67}" type="datetime1">
               <a:rPr lang="en-US" smtClean="0"/>
-              <a:t>1/13/20</a:t>
+              <a:t>1/4/21</a:t>
             </a:fld>
             <a:endParaRPr lang="en-US"/>
           </a:p>
@@ -1083,7 +1167,7 @@
           <a:p>
             <a:fld id="{53882CAB-4B72-8D4D-85F5-0CF3179D56D1}" type="datetime1">
               <a:rPr lang="en-US" smtClean="0"/>
-              <a:t>1/13/20</a:t>
+              <a:t>1/4/21</a:t>
             </a:fld>
             <a:endParaRPr lang="en-US"/>
           </a:p>
@@ -1261,7 +1345,7 @@
           <a:p>
             <a:fld id="{8C818920-949E-B948-ABEB-042404D19519}" type="datetime1">
               <a:rPr lang="en-US" smtClean="0"/>
-              <a:t>1/13/20</a:t>
+              <a:t>1/4/21</a:t>
             </a:fld>
             <a:endParaRPr lang="en-US"/>
           </a:p>
@@ -1429,7 +1513,7 @@
           <a:p>
             <a:fld id="{6B553EA3-B833-5F45-A6C4-754918BD43F4}" type="datetime1">
               <a:rPr lang="en-US" smtClean="0"/>
-              <a:t>1/13/20</a:t>
+              <a:t>1/4/21</a:t>
             </a:fld>
             <a:endParaRPr lang="en-US"/>
           </a:p>
@@ -1674,7 +1758,7 @@
           <a:p>
             <a:fld id="{177919A0-3E44-0548-BA9C-C1DA0DE76F12}" type="datetime1">
               <a:rPr lang="en-US" smtClean="0"/>
-              <a:t>1/13/20</a:t>
+              <a:t>1/4/21</a:t>
             </a:fld>
             <a:endParaRPr lang="en-US"/>
           </a:p>
@@ -1959,7 +2043,7 @@
           <a:p>
             <a:fld id="{EF2B5C21-338A-E04E-AF9D-55B1D5896A2D}" type="datetime1">
               <a:rPr lang="en-US" smtClean="0"/>
-              <a:t>1/13/20</a:t>
+              <a:t>1/4/21</a:t>
             </a:fld>
             <a:endParaRPr lang="en-US"/>
           </a:p>
@@ -2378,7 +2462,7 @@
           <a:p>
             <a:fld id="{6C1BD589-BA7F-F345-8847-B5AAE90B0CE1}" type="datetime1">
               <a:rPr lang="en-US" smtClean="0"/>
-              <a:t>1/13/20</a:t>
+              <a:t>1/4/21</a:t>
             </a:fld>
             <a:endParaRPr lang="en-US"/>
           </a:p>
@@ -2495,7 +2579,7 @@
           <a:p>
             <a:fld id="{7D26E315-97B5-ED48-A6E2-C8DD9A15D910}" type="datetime1">
               <a:rPr lang="en-US" smtClean="0"/>
-              <a:t>1/13/20</a:t>
+              <a:t>1/4/21</a:t>
             </a:fld>
             <a:endParaRPr lang="en-US"/>
           </a:p>
@@ -2590,7 +2674,7 @@
           <a:p>
             <a:fld id="{D75A9AD7-57B8-0C4A-8A03-28346052B0A0}" type="datetime1">
               <a:rPr lang="en-US" smtClean="0"/>
-              <a:t>1/13/20</a:t>
+              <a:t>1/4/21</a:t>
             </a:fld>
             <a:endParaRPr lang="en-US"/>
           </a:p>
@@ -2865,7 +2949,7 @@
           <a:p>
             <a:fld id="{21EEB905-CF7D-1745-9BAA-4C16AF2CEAF4}" type="datetime1">
               <a:rPr lang="en-US" smtClean="0"/>
-              <a:t>1/13/20</a:t>
+              <a:t>1/4/21</a:t>
             </a:fld>
             <a:endParaRPr lang="en-US"/>
           </a:p>
@@ -3117,7 +3201,7 @@
           <a:p>
             <a:fld id="{89AE0F5B-B811-174D-9EB6-CE24A856A7A0}" type="datetime1">
               <a:rPr lang="en-US" smtClean="0"/>
-              <a:t>1/13/20</a:t>
+              <a:t>1/4/21</a:t>
             </a:fld>
             <a:endParaRPr lang="en-US"/>
           </a:p>
@@ -3328,7 +3412,7 @@
           <a:p>
             <a:fld id="{C3A6EF79-F1A3-AF4A-9DED-9EDE600DAF86}" type="datetime1">
               <a:rPr lang="en-US" smtClean="0"/>
-              <a:t>1/13/20</a:t>
+              <a:t>1/4/21</a:t>
             </a:fld>
             <a:endParaRPr lang="en-US"/>
           </a:p>
@@ -3837,7 +3921,7 @@
                   <a:schemeClr val="tx1"/>
                 </a:solidFill>
               </a:rPr>
-              <a:t>Shaoru</a:t>
+              <a:t>Yijie</a:t>
             </a:r>
             <a:r>
               <a:rPr lang="en-US" sz="2000" dirty="0">
@@ -3845,7 +3929,7 @@
                   <a:schemeClr val="tx1"/>
                 </a:solidFill>
               </a:rPr>
-              <a:t> Chen (</a:t>
+              <a:t> (Lisa) Zhao (</a:t>
             </a:r>
             <a:r>
               <a:rPr lang="en-US" sz="2000" dirty="0">
@@ -3854,7 +3938,7 @@
                 </a:solidFill>
                 <a:hlinkClick r:id="rId4"/>
               </a:rPr>
-              <a:t>srchen@seas.upenn.edu</a:t>
+              <a:t>zhaoyij@seas.upenn.edu</a:t>
             </a:r>
             <a:r>
               <a:rPr lang="en-US" sz="2000" dirty="0">
@@ -3862,7 +3946,7 @@
                   <a:schemeClr val="tx1"/>
                 </a:solidFill>
               </a:rPr>
-              <a:t>), Han Wang (</a:t>
+              <a:t>), Alexander Robey (</a:t>
             </a:r>
             <a:r>
               <a:rPr lang="en-US" sz="2000" dirty="0">
@@ -3871,7 +3955,7 @@
                 </a:solidFill>
                 <a:hlinkClick r:id="rId5"/>
               </a:rPr>
-              <a:t>wanghan2@sas.upenn.edu</a:t>
+              <a:t>arobey1@seas.upenn.edu</a:t>
             </a:r>
             <a:r>
               <a:rPr lang="en-US" sz="2000" dirty="0">
@@ -3879,7 +3963,23 @@
                   <a:schemeClr val="tx1"/>
                 </a:solidFill>
               </a:rPr>
-              <a:t>), Alexandre Amice (</a:t>
+              <a:t>), Alp </a:t>
+            </a:r>
+            <a:r>
+              <a:rPr lang="en-US" sz="2000" dirty="0" err="1">
+                <a:solidFill>
+                  <a:schemeClr val="tx1"/>
+                </a:solidFill>
+              </a:rPr>
+              <a:t>Aydinoglu</a:t>
+            </a:r>
+            <a:r>
+              <a:rPr lang="en-US" sz="2000" dirty="0">
+                <a:solidFill>
+                  <a:schemeClr val="tx1"/>
+                </a:solidFill>
+              </a:rPr>
+              <a:t> (</a:t>
             </a:r>
             <a:r>
               <a:rPr lang="en-US" sz="2000" dirty="0">
@@ -3888,7 +3988,7 @@
                 </a:solidFill>
                 <a:hlinkClick r:id="rId6"/>
               </a:rPr>
-              <a:t>amice@seas.upenn.edu</a:t>
+              <a:t>alpayd@seas.upenn.edu</a:t>
             </a:r>
             <a:r>
               <a:rPr lang="en-US" sz="2000" dirty="0">
@@ -3920,7 +4020,7 @@
                   <a:schemeClr val="tx1"/>
                 </a:solidFill>
               </a:rPr>
-              <a:t>Tu/Th 3-4.30pm in LRSM</a:t>
+              <a:t>Tu/Th 3-4.30pm on Zoom (see Piazza for link/passcode)</a:t>
             </a:r>
           </a:p>
           <a:p>
@@ -3940,7 +4040,7 @@
                 </a:solidFill>
                 <a:hlinkClick r:id="rId7"/>
               </a:rPr>
-              <a:t>https://nikolaimatni.github.io/courses/ese605-spring2020/</a:t>
+              <a:t>https://nikolaimatni.github.io/courses/ese605-spring2021/</a:t>
             </a:r>
             <a:endParaRPr lang="en-US" sz="2000" dirty="0">
               <a:solidFill>
@@ -5804,8 +5904,8 @@
         </p:nvSpPr>
         <p:spPr>
           <a:xfrm>
-            <a:off x="310449" y="886718"/>
-            <a:ext cx="8523102" cy="4401205"/>
+            <a:off x="310449" y="786357"/>
+            <a:ext cx="8523102" cy="4031873"/>
           </a:xfrm>
           <a:prstGeom prst="rect">
             <a:avLst/>
@@ -5822,20 +5922,25 @@
               <a:buChar char="•"/>
             </a:pPr>
             <a:r>
-              <a:rPr lang="en-US" sz="2000" b="1" dirty="0"/>
+              <a:rPr lang="en-US" sz="1600" b="1" dirty="0"/>
               <a:t>Lectures: </a:t>
             </a:r>
             <a:r>
-              <a:rPr lang="en-US" sz="2000" dirty="0"/>
-              <a:t>Tu/Th 3:00-4:30pm LRSM Auditorium</a:t>
-            </a:r>
-          </a:p>
-          <a:p>
-            <a:pPr marL="285750" indent="-285750" algn="just">
-              <a:buFont typeface="Arial" panose="020B0604020202020204" pitchFamily="34" charset="0"/>
-              <a:buChar char="•"/>
-            </a:pPr>
-            <a:endParaRPr lang="en-US" sz="2000" dirty="0"/>
+              <a:rPr lang="en-US" sz="1600" dirty="0"/>
+              <a:t>Tu/Th 3:00-4:30pm on Zoom (check Piazza for link/</a:t>
+            </a:r>
+            <a:r>
+              <a:rPr lang="en-US" sz="1600"/>
+              <a:t>passcode ~10min </a:t>
+            </a:r>
+            <a:r>
+              <a:rPr lang="en-US" sz="1600" dirty="0"/>
+              <a:t>before class)</a:t>
+            </a:r>
+          </a:p>
+          <a:p>
+            <a:pPr algn="just"/>
+            <a:endParaRPr lang="en-US" sz="1600" dirty="0"/>
           </a:p>
           <a:p>
             <a:pPr marL="285750" indent="-285750">
@@ -5843,29 +5948,35 @@
               <a:buChar char="•"/>
             </a:pPr>
             <a:r>
-              <a:rPr lang="en-US" sz="2000" b="1" dirty="0"/>
+              <a:rPr lang="en-US" sz="1600" b="1" dirty="0"/>
               <a:t>Course website: </a:t>
             </a:r>
             <a:r>
-              <a:rPr lang="en-US" sz="2000" dirty="0"/>
-              <a:t>all lecture slides and homework will be </a:t>
-            </a:r>
-            <a:r>
-              <a:rPr lang="en-US" sz="2000"/>
-              <a:t>posted on</a:t>
+              <a:rPr lang="en-US" sz="1600" dirty="0"/>
+              <a:t>all lecture slides and homework will be posted on</a:t>
             </a:r>
             <a:br>
-              <a:rPr lang="en-US" sz="2000" b="1" dirty="0"/>
+              <a:rPr lang="en-US" sz="1600" b="1" dirty="0"/>
             </a:br>
             <a:r>
-              <a:rPr lang="en-US" sz="2000" dirty="0">
+              <a:rPr lang="en-US" sz="1600" dirty="0">
                 <a:hlinkClick r:id="rId2"/>
               </a:rPr>
-              <a:t>https://nikolaimatni.github.io/courses/ese605-spring2020/index.html</a:t>
-            </a:r>
-            <a:r>
-              <a:rPr lang="en-US" sz="2000" dirty="0"/>
-              <a:t> </a:t>
+              <a:t>https://nikolaimatni.github.io/courses/ese605-spring2021/index.html</a:t>
+            </a:r>
+            <a:r>
+              <a:rPr lang="en-US" sz="1600" dirty="0"/>
+              <a:t>.  Class recordings and annotated + additional notes will be posted on canvas </a:t>
+            </a:r>
+            <a:r>
+              <a:rPr lang="en-US" sz="1600" dirty="0">
+                <a:hlinkClick r:id="rId3"/>
+              </a:rPr>
+              <a:t>https://canvas.upenn.edu/courses/1569651</a:t>
+            </a:r>
+            <a:r>
+              <a:rPr lang="en-US" sz="1600" dirty="0"/>
+              <a:t>.</a:t>
             </a:r>
           </a:p>
           <a:p>
@@ -5873,7 +5984,7 @@
               <a:buFont typeface="Arial" panose="020B0604020202020204" pitchFamily="34" charset="0"/>
               <a:buChar char="•"/>
             </a:pPr>
-            <a:endParaRPr lang="en-US" sz="2000" dirty="0"/>
+            <a:endParaRPr lang="en-US" sz="1600" dirty="0"/>
           </a:p>
           <a:p>
             <a:pPr marL="285750" indent="-285750">
@@ -5881,35 +5992,38 @@
               <a:buChar char="•"/>
             </a:pPr>
             <a:r>
-              <a:rPr lang="en-US" sz="2000" b="1" dirty="0"/>
+              <a:rPr lang="en-US" sz="1600" b="1" dirty="0"/>
               <a:t>Canvas (</a:t>
             </a:r>
             <a:r>
-              <a:rPr lang="en-US" sz="2000" b="1" dirty="0" err="1"/>
+              <a:rPr lang="en-US" sz="1600" b="1" dirty="0" err="1"/>
               <a:t>Gradescope</a:t>
             </a:r>
             <a:r>
-              <a:rPr lang="en-US" sz="2000" b="1" dirty="0"/>
+              <a:rPr lang="en-US" sz="1600" b="1" dirty="0"/>
               <a:t>): </a:t>
             </a:r>
             <a:r>
-              <a:rPr lang="en-US" sz="2000" dirty="0"/>
+              <a:rPr lang="en-US" sz="1600" dirty="0"/>
               <a:t>all homework assignments to be turned in using canvas portal, </a:t>
             </a:r>
             <a:r>
-              <a:rPr lang="en-US" sz="2000" dirty="0">
+              <a:rPr lang="en-US" sz="1600" dirty="0">
                 <a:hlinkClick r:id="rId3"/>
               </a:rPr>
-              <a:t>https://canvas.upenn.edu/courses/1493334</a:t>
-            </a:r>
-            <a:endParaRPr lang="en-US" sz="2000" dirty="0"/>
+              <a:t>https://canvas.upenn.edu/courses/1569651</a:t>
+            </a:r>
+            <a:r>
+              <a:rPr lang="en-US" sz="1600" dirty="0"/>
+              <a:t> </a:t>
+            </a:r>
           </a:p>
           <a:p>
             <a:pPr marL="285750" indent="-285750">
               <a:buFont typeface="Arial" panose="020B0604020202020204" pitchFamily="34" charset="0"/>
               <a:buChar char="•"/>
             </a:pPr>
-            <a:endParaRPr lang="en-US" sz="2000" dirty="0"/>
+            <a:endParaRPr lang="en-US" sz="1600" dirty="0"/>
           </a:p>
           <a:p>
             <a:pPr marL="285750" indent="-285750">
@@ -5917,26 +6031,18 @@
               <a:buChar char="•"/>
             </a:pPr>
             <a:r>
-              <a:rPr lang="en-US" sz="2000" b="1" dirty="0"/>
+              <a:rPr lang="en-US" sz="1600" b="1" dirty="0"/>
               <a:t>Piazza: </a:t>
             </a:r>
             <a:r>
-              <a:rPr lang="en-US" sz="2000" u="sng" dirty="0">
+              <a:rPr lang="en-US" sz="1600" u="sng" dirty="0">
                 <a:hlinkClick r:id="rId4"/>
               </a:rPr>
               <a:t>piazza.com/upenn/spring2020/srs_ese6050012020a/home</a:t>
             </a:r>
             <a:r>
-              <a:rPr lang="en-US" sz="2000" dirty="0"/>
-              <a:t>, for discussion and clarifications, sign up at link above, passcode: </a:t>
-            </a:r>
-            <a:r>
-              <a:rPr lang="en-US" sz="2000" i="1" dirty="0"/>
-              <a:t>hyperplane</a:t>
-            </a:r>
-            <a:r>
-              <a:rPr lang="en-US" sz="2000" dirty="0"/>
-              <a:t>.</a:t>
+              <a:rPr lang="en-US" sz="1600" dirty="0"/>
+              <a:t>, for discussion and clarifications, sign up at link above, passcode is provided on canvas and in class.</a:t>
             </a:r>
           </a:p>
           <a:p>
@@ -5944,7 +6050,7 @@
               <a:buFont typeface="Arial" panose="020B0604020202020204" pitchFamily="34" charset="0"/>
               <a:buChar char="•"/>
             </a:pPr>
-            <a:endParaRPr lang="en-US" sz="2000" b="1" i="1" dirty="0"/>
+            <a:endParaRPr lang="en-US" sz="1600" b="1" i="1" dirty="0"/>
           </a:p>
           <a:p>
             <a:pPr marL="285750" indent="-285750">
@@ -5952,18 +6058,18 @@
               <a:buChar char="•"/>
             </a:pPr>
             <a:r>
-              <a:rPr lang="en-US" sz="2000" b="1" dirty="0"/>
+              <a:rPr lang="en-US" sz="1600" b="1" dirty="0"/>
               <a:t>Office hours: </a:t>
             </a:r>
             <a:r>
-              <a:rPr lang="en-US" sz="2000" dirty="0"/>
-              <a:t>NM after class, Levine 374, SC Fr 1-2.30 room TBD, HW Mon 3-4.30 room TBD, AA Wed 2.30-4.30 Moore 317.</a:t>
-            </a:r>
-            <a:endParaRPr lang="en-US" sz="2000" b="1" dirty="0"/>
+              <a:rPr lang="en-US" sz="1600" dirty="0"/>
+              <a:t>NM after class, LZ  TBD, AR TBD, AA TBD.  We will make sure to have OHs that accommodate all time-zones.  Zoom links and passcodes will be posted to Piazza ~5min before.</a:t>
+            </a:r>
+            <a:endParaRPr lang="en-US" sz="1600" b="1" dirty="0"/>
           </a:p>
           <a:p>
             <a:pPr algn="just"/>
-            <a:endParaRPr lang="en-US" sz="2000" b="1" dirty="0"/>
+            <a:endParaRPr lang="en-US" sz="1600" b="1" dirty="0"/>
           </a:p>
         </p:txBody>
       </p:sp>
@@ -6399,7 +6505,7 @@
         </p:nvSpPr>
         <p:spPr>
           <a:xfrm>
-            <a:off x="310449" y="886718"/>
+            <a:off x="310449" y="906883"/>
             <a:ext cx="8523102" cy="3693319"/>
           </a:xfrm>
           <a:prstGeom prst="rect">
@@ -6412,114 +6518,86 @@
           </a:bodyPr>
           <a:lstStyle/>
           <a:p>
-            <a:pPr marL="285750" indent="-285750" algn="just">
+            <a:pPr marL="285750" indent="-285750">
               <a:buFont typeface="Arial" panose="020B0604020202020204" pitchFamily="34" charset="0"/>
               <a:buChar char="•"/>
             </a:pPr>
             <a:r>
               <a:rPr lang="en-US" b="1" dirty="0"/>
-              <a:t>Homework (20%): </a:t>
+              <a:t>Homework (50%)</a:t>
             </a:r>
             <a:r>
               <a:rPr lang="en-US" dirty="0"/>
-              <a:t>there will be weekly homework assignments (11), handed out on Tuesday, and due the following Friday by 5pm.  You will be given </a:t>
-            </a:r>
-            <a:r>
-              <a:rPr lang="en-US" b="1" i="1" dirty="0"/>
-              <a:t>5 free late days</a:t>
+              <a:t>: there will be bi-weekly homework assignments, handed out on Tuesday, and due two weeks later on Friday by 5pm (except for the final assignment which will be due the last day of class). The homework assignments </a:t>
+            </a:r>
+            <a:r>
+              <a:rPr lang="en-US" b="1" dirty="0"/>
+              <a:t>must be </a:t>
+            </a:r>
+            <a:r>
+              <a:rPr lang="en-US" b="1" dirty="0" err="1"/>
+              <a:t>LateXed</a:t>
+            </a:r>
+            <a:r>
+              <a:rPr lang="en-US" b="1" dirty="0"/>
+              <a:t> and submitted on Canvas via </a:t>
+            </a:r>
+            <a:r>
+              <a:rPr lang="en-US" b="1" dirty="0" err="1"/>
+              <a:t>Gradescope</a:t>
             </a:r>
             <a:r>
               <a:rPr lang="en-US" dirty="0"/>
-              <a:t> which you may use as you please throughout the semester, after which no late assignments will be accepted.  The homework assignments </a:t>
-            </a:r>
-            <a:r>
-              <a:rPr lang="en-US" b="1" i="1" dirty="0"/>
-              <a:t>must be </a:t>
-            </a:r>
-            <a:r>
-              <a:rPr lang="en-US" b="1" i="1" dirty="0" err="1"/>
-              <a:t>LateXed</a:t>
-            </a:r>
-            <a:r>
-              <a:rPr lang="en-US" b="1" i="1" dirty="0"/>
-              <a:t> and submitted on Canvas via </a:t>
-            </a:r>
-            <a:r>
-              <a:rPr lang="en-US" b="1" i="1" dirty="0" err="1"/>
-              <a:t>Gradescope</a:t>
-            </a:r>
-            <a:r>
-              <a:rPr lang="en-US" dirty="0"/>
-              <a:t>.  Please use the </a:t>
+              <a:t>. Please use this </a:t>
             </a:r>
             <a:r>
               <a:rPr lang="en-US" dirty="0">
                 <a:hlinkClick r:id="rId2"/>
               </a:rPr>
-              <a:t>LaTeX templates</a:t>
+              <a:t>LaTeX template</a:t>
             </a:r>
             <a:r>
               <a:rPr lang="en-US" dirty="0"/>
-              <a:t> provided by Stephen Boyd's EE364b course, and follow the recommended style guide.  You are allowed, even encouraged, to work on homework in small groups, but you must write up your own homework to hand in.  Homework will be graded on a scale of 0-4.</a:t>
-            </a:r>
-            <a:endParaRPr lang="en-US" b="1" dirty="0"/>
-          </a:p>
-          <a:p>
-            <a:pPr marL="285750" indent="-285750" algn="just">
+              <a:t> – we ask that you write out detailed and rigorous solutions. You will be given </a:t>
+            </a:r>
+            <a:r>
+              <a:rPr lang="en-US" b="1" dirty="0"/>
+              <a:t>6 free late days</a:t>
+            </a:r>
+            <a:r>
+              <a:rPr lang="en-US" dirty="0"/>
+              <a:t> which you may use as you please throughout the semester, after which no late assignments will be accepted. Each homework problem will be graded on a scale of 0-4.</a:t>
+            </a:r>
+          </a:p>
+          <a:p>
+            <a:pPr marL="285750" indent="-285750">
               <a:buFont typeface="Arial" panose="020B0604020202020204" pitchFamily="34" charset="0"/>
               <a:buChar char="•"/>
             </a:pPr>
-            <a:r>
-              <a:rPr lang="en-US" b="1" dirty="0"/>
-              <a:t>Midterm exam (30%):</a:t>
-            </a:r>
-            <a:r>
-              <a:rPr lang="en-US" dirty="0"/>
-              <a:t> there will be an in-class, 75 minute, closed book, closed notes midterm scheduled for </a:t>
-            </a:r>
-            <a:r>
-              <a:rPr lang="en-US" b="1" i="1" dirty="0"/>
-              <a:t>3/03</a:t>
-            </a:r>
-            <a:r>
-              <a:rPr lang="en-US" dirty="0"/>
-              <a:t>.</a:t>
-            </a:r>
-          </a:p>
-          <a:p>
-            <a:pPr marL="285750" lvl="0" indent="-285750">
+            <a:endParaRPr lang="en-US" dirty="0"/>
+          </a:p>
+          <a:p>
+            <a:pPr marL="285750" indent="-285750">
               <a:buFont typeface="Arial" panose="020B0604020202020204" pitchFamily="34" charset="0"/>
               <a:buChar char="•"/>
             </a:pPr>
             <a:r>
               <a:rPr lang="en-US" b="1" dirty="0"/>
-              <a:t>Final programming assignment (15%):</a:t>
+              <a:t>Final take-home exam (50%)</a:t>
             </a:r>
             <a:r>
               <a:rPr lang="en-US" dirty="0"/>
-              <a:t> there will be a final programming assignment due on the last day of classes </a:t>
-            </a:r>
-            <a:r>
-              <a:rPr lang="en-US" b="1" dirty="0"/>
-              <a:t>4/29</a:t>
+              <a:t>: there will be a 24 hour final take-home exam scheduled during the final exam period. Please refer to the </a:t>
+            </a:r>
+            <a:r>
+              <a:rPr lang="en-US" dirty="0">
+                <a:hlinkClick r:id="rId3"/>
+              </a:rPr>
+              <a:t>Stanford EE364a</a:t>
             </a:r>
             <a:r>
               <a:rPr lang="en-US" dirty="0"/>
-              <a:t>.</a:t>
-            </a:r>
-          </a:p>
-          <a:p>
-            <a:pPr marL="285750" lvl="0" indent="-285750">
-              <a:buFont typeface="Arial" panose="020B0604020202020204" pitchFamily="34" charset="0"/>
-              <a:buChar char="•"/>
-            </a:pPr>
-            <a:r>
-              <a:rPr lang="en-US" b="1" dirty="0"/>
-              <a:t>Final exam (35%): </a:t>
-            </a:r>
-            <a:r>
-              <a:rPr lang="en-US" dirty="0"/>
-              <a:t>there will be a take-home final exam during the final exam period.</a:t>
+              <a:t> offering of this course for an idea of what the final exam will look like, as well as the logistics of how it will be administered.</a:t>
             </a:r>
           </a:p>
         </p:txBody>
@@ -6631,7 +6709,7 @@
                                         <p:tgtEl>
                                           <p:spTgt spid="29">
                                             <p:txEl>
-                                              <p:pRg st="1" end="1"/>
+                                              <p:pRg st="2" end="2"/>
                                             </p:txEl>
                                           </p:spTgt>
                                         </p:tgtEl>
@@ -6649,129 +6727,7 @@
                                         <p:tgtEl>
                                           <p:spTgt spid="29">
                                             <p:txEl>
-                                              <p:pRg st="1" end="1"/>
-                                            </p:txEl>
-                                          </p:spTgt>
-                                        </p:tgtEl>
-                                      </p:cBhvr>
-                                    </p:animEffect>
-                                  </p:childTnLst>
-                                </p:cTn>
-                              </p:par>
-                            </p:childTnLst>
-                          </p:cTn>
-                        </p:par>
-                      </p:childTnLst>
-                    </p:cTn>
-                  </p:par>
-                  <p:par>
-                    <p:cTn id="13" fill="hold">
-                      <p:stCondLst>
-                        <p:cond delay="indefinite"/>
-                      </p:stCondLst>
-                      <p:childTnLst>
-                        <p:par>
-                          <p:cTn id="14" fill="hold">
-                            <p:stCondLst>
-                              <p:cond delay="0"/>
-                            </p:stCondLst>
-                            <p:childTnLst>
-                              <p:par>
-                                <p:cTn id="15" presetID="9" presetClass="entr" presetSubtype="0" fill="hold" nodeType="clickEffect">
-                                  <p:stCondLst>
-                                    <p:cond delay="0"/>
-                                  </p:stCondLst>
-                                  <p:childTnLst>
-                                    <p:set>
-                                      <p:cBhvr>
-                                        <p:cTn id="16" dur="1" fill="hold">
-                                          <p:stCondLst>
-                                            <p:cond delay="0"/>
-                                          </p:stCondLst>
-                                        </p:cTn>
-                                        <p:tgtEl>
-                                          <p:spTgt spid="29">
-                                            <p:txEl>
                                               <p:pRg st="2" end="2"/>
-                                            </p:txEl>
-                                          </p:spTgt>
-                                        </p:tgtEl>
-                                        <p:attrNameLst>
-                                          <p:attrName>style.visibility</p:attrName>
-                                        </p:attrNameLst>
-                                      </p:cBhvr>
-                                      <p:to>
-                                        <p:strVal val="visible"/>
-                                      </p:to>
-                                    </p:set>
-                                    <p:animEffect transition="in" filter="dissolve">
-                                      <p:cBhvr>
-                                        <p:cTn id="17" dur="500"/>
-                                        <p:tgtEl>
-                                          <p:spTgt spid="29">
-                                            <p:txEl>
-                                              <p:pRg st="2" end="2"/>
-                                            </p:txEl>
-                                          </p:spTgt>
-                                        </p:tgtEl>
-                                      </p:cBhvr>
-                                    </p:animEffect>
-                                  </p:childTnLst>
-                                </p:cTn>
-                              </p:par>
-                            </p:childTnLst>
-                          </p:cTn>
-                        </p:par>
-                      </p:childTnLst>
-                    </p:cTn>
-                  </p:par>
-                  <p:par>
-                    <p:cTn id="18" fill="hold">
-                      <p:stCondLst>
-                        <p:cond delay="indefinite"/>
-                      </p:stCondLst>
-                      <p:childTnLst>
-                        <p:par>
-                          <p:cTn id="19" fill="hold">
-                            <p:stCondLst>
-                              <p:cond delay="0"/>
-                            </p:stCondLst>
-                            <p:childTnLst>
-                              <p:par>
-                                <p:cTn id="20" presetID="9" presetClass="entr" presetSubtype="0" fill="hold" nodeType="clickEffect">
-                                  <p:stCondLst>
-                                    <p:cond delay="0"/>
-                                  </p:stCondLst>
-                                  <p:childTnLst>
-                                    <p:set>
-                                      <p:cBhvr>
-                                        <p:cTn id="21" dur="1" fill="hold">
-                                          <p:stCondLst>
-                                            <p:cond delay="0"/>
-                                          </p:stCondLst>
-                                        </p:cTn>
-                                        <p:tgtEl>
-                                          <p:spTgt spid="29">
-                                            <p:txEl>
-                                              <p:pRg st="3" end="3"/>
-                                            </p:txEl>
-                                          </p:spTgt>
-                                        </p:tgtEl>
-                                        <p:attrNameLst>
-                                          <p:attrName>style.visibility</p:attrName>
-                                        </p:attrNameLst>
-                                      </p:cBhvr>
-                                      <p:to>
-                                        <p:strVal val="visible"/>
-                                      </p:to>
-                                    </p:set>
-                                    <p:animEffect transition="in" filter="dissolve">
-                                      <p:cBhvr>
-                                        <p:cTn id="22" dur="500"/>
-                                        <p:tgtEl>
-                                          <p:spTgt spid="29">
-                                            <p:txEl>
-                                              <p:pRg st="3" end="3"/>
                                             </p:txEl>
                                           </p:spTgt>
                                         </p:tgtEl>
@@ -6895,8 +6851,8 @@
         </p:nvSpPr>
         <p:spPr>
           <a:xfrm>
-            <a:off x="310449" y="886718"/>
-            <a:ext cx="8523102" cy="4247317"/>
+            <a:off x="310449" y="786357"/>
+            <a:ext cx="8523102" cy="4031873"/>
           </a:xfrm>
           <a:prstGeom prst="rect">
             <a:avLst/>
@@ -6913,21 +6869,21 @@
               <a:buChar char="•"/>
             </a:pPr>
             <a:r>
-              <a:rPr lang="en-US" b="1" dirty="0"/>
+              <a:rPr lang="en-US" sz="1600" b="1" dirty="0"/>
               <a:t>Code of Academic Integrity: </a:t>
             </a:r>
             <a:r>
-              <a:rPr lang="en-US" dirty="0"/>
+              <a:rPr lang="en-US" sz="1600" dirty="0"/>
               <a:t>All students are expected to adhere to the University’s </a:t>
             </a:r>
             <a:r>
-              <a:rPr lang="en-US" u="sng" dirty="0">
-                <a:hlinkClick r:id="rId2"/>
+              <a:rPr lang="en-US" sz="1600" u="sng" dirty="0">
+                <a:hlinkClick r:id="rId3"/>
               </a:rPr>
               <a:t>Code of Academic Integrity</a:t>
             </a:r>
             <a:r>
-              <a:rPr lang="en-US" dirty="0"/>
+              <a:rPr lang="en-US" sz="1600" dirty="0"/>
               <a:t>.  </a:t>
             </a:r>
           </a:p>
@@ -6936,7 +6892,7 @@
               <a:buFont typeface="Arial" panose="020B0604020202020204" pitchFamily="34" charset="0"/>
               <a:buChar char="•"/>
             </a:pPr>
-            <a:endParaRPr lang="en-US" dirty="0"/>
+            <a:endParaRPr lang="en-US" sz="1600" dirty="0"/>
           </a:p>
           <a:p>
             <a:pPr marL="285750" indent="-285750">
@@ -6944,7 +6900,7 @@
               <a:buChar char="•"/>
             </a:pPr>
             <a:r>
-              <a:rPr lang="en-US" dirty="0"/>
+              <a:rPr lang="en-US" sz="1600" dirty="0"/>
               <a:t>You are encouraged to collaborate with your peers when working on your homework problems, as well as consult other materials.  However, when you write up your own solutions, these materials (including your friends!) should be left aside, and you should write up solutions from scratch.</a:t>
             </a:r>
           </a:p>
@@ -6953,7 +6909,7 @@
               <a:buFont typeface="Arial" panose="020B0604020202020204" pitchFamily="34" charset="0"/>
               <a:buChar char="•"/>
             </a:pPr>
-            <a:endParaRPr lang="en-US" dirty="0"/>
+            <a:endParaRPr lang="en-US" sz="1600" dirty="0"/>
           </a:p>
           <a:p>
             <a:pPr marL="285750" indent="-285750">
@@ -6961,9 +6917,27 @@
               <a:buChar char="•"/>
             </a:pPr>
             <a:r>
-              <a:rPr lang="en-US" dirty="0"/>
-              <a:t>You should also disclose all collaborations in your submission.  Collaboration is different from cheating.  While the former is encouraged, the latter is defined as attempting, abetting, or using unauthorized assistance (e.g., a knowledgeable senior who is not taking the class) or material (e.g., online code).  Some other examples of cheating include: copying problem sets/exams, handing in someone else’s work as your own, and plagiarism.  This will not be tolerated and will be reported to the university.  </a:t>
-            </a:r>
+              <a:rPr lang="en-US" sz="1600" dirty="0"/>
+              <a:t>You should also cite all resources used and disclose all collaborations in your submission.  Collaboration is different from cheating.  While the former is encouraged, the latter is defined as attempting, abetting, or using unauthorized assistance (e.g., a knowledgeable senior who is not taking the class) or material (e.g., online code).  Some other examples of cheating include: copying problem sets/exams, handing in someone else’s work as your own, and plagiarism.  This will not be tolerated and will be reported to the university.  </a:t>
+            </a:r>
+          </a:p>
+          <a:p>
+            <a:pPr marL="285750" indent="-285750">
+              <a:buFont typeface="Arial" panose="020B0604020202020204" pitchFamily="34" charset="0"/>
+              <a:buChar char="•"/>
+            </a:pPr>
+            <a:endParaRPr lang="en-US" sz="1600" b="1" dirty="0"/>
+          </a:p>
+          <a:p>
+            <a:pPr marL="285750" indent="-285750">
+              <a:buFont typeface="Arial" panose="020B0604020202020204" pitchFamily="34" charset="0"/>
+              <a:buChar char="•"/>
+            </a:pPr>
+            <a:r>
+              <a:rPr lang="en-US" sz="1600" b="1" dirty="0"/>
+              <a:t>Citing the solution manual is not a workaround to this policy!</a:t>
+            </a:r>
+            <a:endParaRPr lang="en-US" sz="1600" dirty="0"/>
           </a:p>
         </p:txBody>
       </p:sp>
@@ -7154,6 +7128,67 @@
                                           <p:spTgt spid="29">
                                             <p:txEl>
                                               <p:pRg st="4" end="4"/>
+                                            </p:txEl>
+                                          </p:spTgt>
+                                        </p:tgtEl>
+                                      </p:cBhvr>
+                                    </p:animEffect>
+                                  </p:childTnLst>
+                                </p:cTn>
+                              </p:par>
+                            </p:childTnLst>
+                          </p:cTn>
+                        </p:par>
+                      </p:childTnLst>
+                    </p:cTn>
+                  </p:par>
+                  <p:par>
+                    <p:cTn id="18" fill="hold">
+                      <p:stCondLst>
+                        <p:cond delay="indefinite"/>
+                      </p:stCondLst>
+                      <p:childTnLst>
+                        <p:par>
+                          <p:cTn id="19" fill="hold">
+                            <p:stCondLst>
+                              <p:cond delay="0"/>
+                            </p:stCondLst>
+                            <p:childTnLst>
+                              <p:par>
+                                <p:cTn id="20" presetID="9" presetClass="entr" presetSubtype="0" fill="hold" nodeType="clickEffect">
+                                  <p:stCondLst>
+                                    <p:cond delay="0"/>
+                                  </p:stCondLst>
+                                  <p:childTnLst>
+                                    <p:set>
+                                      <p:cBhvr>
+                                        <p:cTn id="21" dur="1" fill="hold">
+                                          <p:stCondLst>
+                                            <p:cond delay="0"/>
+                                          </p:stCondLst>
+                                        </p:cTn>
+                                        <p:tgtEl>
+                                          <p:spTgt spid="29">
+                                            <p:txEl>
+                                              <p:pRg st="6" end="6"/>
+                                            </p:txEl>
+                                          </p:spTgt>
+                                        </p:tgtEl>
+                                        <p:attrNameLst>
+                                          <p:attrName>style.visibility</p:attrName>
+                                        </p:attrNameLst>
+                                      </p:cBhvr>
+                                      <p:to>
+                                        <p:strVal val="visible"/>
+                                      </p:to>
+                                    </p:set>
+                                    <p:animEffect transition="in" filter="dissolve">
+                                      <p:cBhvr>
+                                        <p:cTn id="22" dur="500"/>
+                                        <p:tgtEl>
+                                          <p:spTgt spid="29">
+                                            <p:txEl>
+                                              <p:pRg st="6" end="6"/>
                                             </p:txEl>
                                           </p:spTgt>
                                         </p:tgtEl>

--- a/courses/ese605-spring2021/lecture-slides/logistics.pptx
+++ b/courses/ese605-spring2021/lecture-slides/logistics.pptx
@@ -5927,15 +5927,7 @@
             </a:r>
             <a:r>
               <a:rPr lang="en-US" sz="1600" dirty="0"/>
-              <a:t>Tu/Th 3:00-4:30pm on Zoom (check Piazza for link/</a:t>
-            </a:r>
-            <a:r>
-              <a:rPr lang="en-US" sz="1600"/>
-              <a:t>passcode ~10min </a:t>
-            </a:r>
-            <a:r>
-              <a:rPr lang="en-US" sz="1600" dirty="0"/>
-              <a:t>before class)</a:t>
+              <a:t>Tu/Th 3:00-4:30pm on Zoom (check Piazza for link/passcode ~10min before class)</a:t>
             </a:r>
           </a:p>
           <a:p>
@@ -6038,11 +6030,21 @@
               <a:rPr lang="en-US" sz="1600" u="sng" dirty="0">
                 <a:hlinkClick r:id="rId4"/>
               </a:rPr>
-              <a:t>piazza.com/upenn/spring2020/srs_ese6050012020a/home</a:t>
+              <a:t>https://piazza.com/upenn</a:t>
+            </a:r>
+            <a:r>
+              <a:rPr lang="en-US" sz="1600" u="sng">
+                <a:hlinkClick r:id="rId4"/>
+              </a:rPr>
+              <a:t>/spring2021/srs_ese6050012021a</a:t>
+            </a:r>
+            <a:r>
+              <a:rPr lang="en-US" sz="1600"/>
+              <a:t>, </a:t>
             </a:r>
             <a:r>
               <a:rPr lang="en-US" sz="1600" dirty="0"/>
-              <a:t>, for discussion and clarifications, sign up at link above, passcode is provided on canvas and in class.</a:t>
+              <a:t>for discussion and clarifications, sign up at link above, passcode is provided on canvas and in class.</a:t>
             </a:r>
           </a:p>
           <a:p>

--- a/courses/ese605-spring2021/lecture-slides/logistics.pptx
+++ b/courses/ese605-spring2021/lecture-slides/logistics.pptx
@@ -218,7 +218,7 @@
           <a:p>
             <a:fld id="{344B7452-CBCE-544C-82C0-61A81034B8D9}" type="datetimeFigureOut">
               <a:rPr lang="en-US" smtClean="0"/>
-              <a:t>1/4/21</a:t>
+              <a:t>1/14/21</a:t>
             </a:fld>
             <a:endParaRPr lang="en-US"/>
           </a:p>
@@ -384,7 +384,7 @@
           <a:p>
             <a:fld id="{AE2B2B26-92A0-7541-B16F-52F5B57C465F}" type="datetimeFigureOut">
               <a:rPr lang="en-US" smtClean="0"/>
-              <a:t>1/4/21</a:t>
+              <a:t>1/14/21</a:t>
             </a:fld>
             <a:endParaRPr lang="en-US"/>
           </a:p>
@@ -999,7 +999,7 @@
           <a:p>
             <a:fld id="{7A455EB6-B941-5146-9952-DE44460C1C67}" type="datetime1">
               <a:rPr lang="en-US" smtClean="0"/>
-              <a:t>1/4/21</a:t>
+              <a:t>1/14/21</a:t>
             </a:fld>
             <a:endParaRPr lang="en-US"/>
           </a:p>
@@ -1167,7 +1167,7 @@
           <a:p>
             <a:fld id="{53882CAB-4B72-8D4D-85F5-0CF3179D56D1}" type="datetime1">
               <a:rPr lang="en-US" smtClean="0"/>
-              <a:t>1/4/21</a:t>
+              <a:t>1/14/21</a:t>
             </a:fld>
             <a:endParaRPr lang="en-US"/>
           </a:p>
@@ -1345,7 +1345,7 @@
           <a:p>
             <a:fld id="{8C818920-949E-B948-ABEB-042404D19519}" type="datetime1">
               <a:rPr lang="en-US" smtClean="0"/>
-              <a:t>1/4/21</a:t>
+              <a:t>1/14/21</a:t>
             </a:fld>
             <a:endParaRPr lang="en-US"/>
           </a:p>
@@ -1513,7 +1513,7 @@
           <a:p>
             <a:fld id="{6B553EA3-B833-5F45-A6C4-754918BD43F4}" type="datetime1">
               <a:rPr lang="en-US" smtClean="0"/>
-              <a:t>1/4/21</a:t>
+              <a:t>1/14/21</a:t>
             </a:fld>
             <a:endParaRPr lang="en-US"/>
           </a:p>
@@ -1758,7 +1758,7 @@
           <a:p>
             <a:fld id="{177919A0-3E44-0548-BA9C-C1DA0DE76F12}" type="datetime1">
               <a:rPr lang="en-US" smtClean="0"/>
-              <a:t>1/4/21</a:t>
+              <a:t>1/14/21</a:t>
             </a:fld>
             <a:endParaRPr lang="en-US"/>
           </a:p>
@@ -2043,7 +2043,7 @@
           <a:p>
             <a:fld id="{EF2B5C21-338A-E04E-AF9D-55B1D5896A2D}" type="datetime1">
               <a:rPr lang="en-US" smtClean="0"/>
-              <a:t>1/4/21</a:t>
+              <a:t>1/14/21</a:t>
             </a:fld>
             <a:endParaRPr lang="en-US"/>
           </a:p>
@@ -2462,7 +2462,7 @@
           <a:p>
             <a:fld id="{6C1BD589-BA7F-F345-8847-B5AAE90B0CE1}" type="datetime1">
               <a:rPr lang="en-US" smtClean="0"/>
-              <a:t>1/4/21</a:t>
+              <a:t>1/14/21</a:t>
             </a:fld>
             <a:endParaRPr lang="en-US"/>
           </a:p>
@@ -2579,7 +2579,7 @@
           <a:p>
             <a:fld id="{7D26E315-97B5-ED48-A6E2-C8DD9A15D910}" type="datetime1">
               <a:rPr lang="en-US" smtClean="0"/>
-              <a:t>1/4/21</a:t>
+              <a:t>1/14/21</a:t>
             </a:fld>
             <a:endParaRPr lang="en-US"/>
           </a:p>
@@ -2674,7 +2674,7 @@
           <a:p>
             <a:fld id="{D75A9AD7-57B8-0C4A-8A03-28346052B0A0}" type="datetime1">
               <a:rPr lang="en-US" smtClean="0"/>
-              <a:t>1/4/21</a:t>
+              <a:t>1/14/21</a:t>
             </a:fld>
             <a:endParaRPr lang="en-US"/>
           </a:p>
@@ -2949,7 +2949,7 @@
           <a:p>
             <a:fld id="{21EEB905-CF7D-1745-9BAA-4C16AF2CEAF4}" type="datetime1">
               <a:rPr lang="en-US" smtClean="0"/>
-              <a:t>1/4/21</a:t>
+              <a:t>1/14/21</a:t>
             </a:fld>
             <a:endParaRPr lang="en-US"/>
           </a:p>
@@ -3201,7 +3201,7 @@
           <a:p>
             <a:fld id="{89AE0F5B-B811-174D-9EB6-CE24A856A7A0}" type="datetime1">
               <a:rPr lang="en-US" smtClean="0"/>
-              <a:t>1/4/21</a:t>
+              <a:t>1/14/21</a:t>
             </a:fld>
             <a:endParaRPr lang="en-US"/>
           </a:p>
@@ -3412,7 +3412,7 @@
           <a:p>
             <a:fld id="{C3A6EF79-F1A3-AF4A-9DED-9EDE600DAF86}" type="datetime1">
               <a:rPr lang="en-US" smtClean="0"/>
-              <a:t>1/4/21</a:t>
+              <a:t>1/14/21</a:t>
             </a:fld>
             <a:endParaRPr lang="en-US"/>
           </a:p>
@@ -5905,7 +5905,7 @@
         <p:spPr>
           <a:xfrm>
             <a:off x="310449" y="786357"/>
-            <a:ext cx="8523102" cy="4031873"/>
+            <a:ext cx="8523102" cy="4278094"/>
           </a:xfrm>
           <a:prstGeom prst="rect">
             <a:avLst/>
@@ -6030,21 +6030,11 @@
               <a:rPr lang="en-US" sz="1600" u="sng" dirty="0">
                 <a:hlinkClick r:id="rId4"/>
               </a:rPr>
-              <a:t>https://piazza.com/upenn</a:t>
-            </a:r>
-            <a:r>
-              <a:rPr lang="en-US" sz="1600" u="sng">
-                <a:hlinkClick r:id="rId4"/>
-              </a:rPr>
-              <a:t>/spring2021/srs_ese6050012021a</a:t>
-            </a:r>
-            <a:r>
-              <a:rPr lang="en-US" sz="1600"/>
-              <a:t>, </a:t>
+              <a:t>https://piazza.com/upenn/spring2021/srs_ese6050012021a</a:t>
             </a:r>
             <a:r>
               <a:rPr lang="en-US" sz="1600" dirty="0"/>
-              <a:t>for discussion and clarifications, sign up at link above, passcode is provided on canvas and in class.</a:t>
+              <a:t>, for discussion and clarifications, sign up at link above, passcode is provided on canvas and in class.</a:t>
             </a:r>
           </a:p>
           <a:p>
@@ -6065,7 +6055,15 @@
             </a:r>
             <a:r>
               <a:rPr lang="en-US" sz="1600" dirty="0"/>
-              <a:t>NM after class, LZ  TBD, AR TBD, AA TBD.  We will make sure to have OHs that accommodate all time-zones.  Zoom links and passcodes will be posted to Piazza ~5min before.</a:t>
+              <a:t>NM after class, LZ  Fr 9-11am, AR We 7-9pm, AA Mo 1-3pm, all ET.  Please let us know if you are unable to make it to any of these due to conflicts </a:t>
+            </a:r>
+            <a:r>
+              <a:rPr lang="en-US" sz="1600"/>
+              <a:t>or time-zone issues.  </a:t>
+            </a:r>
+            <a:r>
+              <a:rPr lang="en-US" sz="1600" dirty="0"/>
+              <a:t>Zoom links and passcodes will be posted to Piazza ~5min before.</a:t>
             </a:r>
             <a:endParaRPr lang="en-US" sz="1600" b="1" dirty="0"/>
           </a:p>

--- a/courses/ese605-spring2021/lecture-slides/logistics.pptx
+++ b/courses/ese605-spring2021/lecture-slides/logistics.pptx
@@ -6055,15 +6055,7 @@
             </a:r>
             <a:r>
               <a:rPr lang="en-US" sz="1600" dirty="0"/>
-              <a:t>NM after class, LZ  Fr 9-11am, AR We 7-9pm, AA Mo 1-3pm, all ET.  Please let us know if you are unable to make it to any of these due to conflicts </a:t>
-            </a:r>
-            <a:r>
-              <a:rPr lang="en-US" sz="1600"/>
-              <a:t>or time-zone issues.  </a:t>
-            </a:r>
-            <a:r>
-              <a:rPr lang="en-US" sz="1600" dirty="0"/>
-              <a:t>Zoom links and passcodes will be posted to Piazza ~5min before.</a:t>
+              <a:t>NM after class, LZ  Fr 9-11am, AR We 7-9pm, AA Mo 1-3pm, all ET.  Please let us know if you are unable to make it to any of these due to conflicts or time-zone issues.  Zoom links and passcodes will be posted to Piazza ~5min before.</a:t>
             </a:r>
             <a:endParaRPr lang="en-US" sz="1600" b="1" dirty="0"/>
           </a:p>
@@ -6528,7 +6520,15 @@
             </a:r>
             <a:r>
               <a:rPr lang="en-US" dirty="0"/>
-              <a:t>: there will be bi-weekly homework assignments, handed out on Tuesday, and due two weeks later on Friday by 5pm (except for the final assignment which will be due the last day of class). The homework assignments </a:t>
+              <a:t>: there will </a:t>
+            </a:r>
+            <a:r>
+              <a:rPr lang="en-US"/>
+              <a:t>be bi-monthly </a:t>
+            </a:r>
+            <a:r>
+              <a:rPr lang="en-US" dirty="0"/>
+              <a:t>homework assignments, handed out on Tuesday, and due two weeks later on Friday by 5pm (except for the final assignment which will be due the last day of class). The homework assignments </a:t>
             </a:r>
             <a:r>
               <a:rPr lang="en-US" b="1" dirty="0"/>
